--- a/powerpoint/Presentation1_ilsan.pptx
+++ b/powerpoint/Presentation1_ilsan.pptx
@@ -5,7 +5,7 @@
     <p:sldMasterId id="2147483648" r:id="rId1"/>
   </p:sldMasterIdLst>
   <p:notesMasterIdLst>
-    <p:notesMasterId r:id="rId41"/>
+    <p:notesMasterId r:id="rId45"/>
   </p:notesMasterIdLst>
   <p:sldIdLst>
     <p:sldId id="256" r:id="rId2"/>
@@ -43,10 +43,14 @@
     <p:sldId id="296" r:id="rId34"/>
     <p:sldId id="297" r:id="rId35"/>
     <p:sldId id="298" r:id="rId36"/>
-    <p:sldId id="260" r:id="rId37"/>
-    <p:sldId id="264" r:id="rId38"/>
-    <p:sldId id="265" r:id="rId39"/>
-    <p:sldId id="261" r:id="rId40"/>
+    <p:sldId id="299" r:id="rId37"/>
+    <p:sldId id="300" r:id="rId38"/>
+    <p:sldId id="301" r:id="rId39"/>
+    <p:sldId id="302" r:id="rId40"/>
+    <p:sldId id="260" r:id="rId41"/>
+    <p:sldId id="264" r:id="rId42"/>
+    <p:sldId id="265" r:id="rId43"/>
+    <p:sldId id="261" r:id="rId44"/>
   </p:sldIdLst>
   <p:sldSz cx="9144000" cy="6858000" type="screen4x3"/>
   <p:notesSz cx="6858000" cy="9144000"/>
@@ -405,7 +409,7 @@
           <a:p>
             <a:fld id="{F9B9F26C-5E20-463A-A30E-4B3CD8C634F9}" type="slidenum">
               <a:rPr lang="en-US" smtClean="0"/>
-              <a:t>‹N°›</a:t>
+              <a:t>‹#›</a:t>
             </a:fld>
             <a:endParaRPr lang="en-US"/>
           </a:p>
@@ -5761,7 +5765,15 @@
           <a:bodyPr/>
           <a:lstStyle/>
           <a:p>
-            <a:endParaRPr lang="en-US" dirty="0"/>
+            <a:r>
+              <a:rPr lang="fr-BE" dirty="0" smtClean="0"/>
+              <a:t>On passe à un</a:t>
+            </a:r>
+            <a:r>
+              <a:rPr lang="fr-BE" baseline="0" dirty="0" smtClean="0"/>
+              <a:t> objet Light le TransformGroup auquel l’éclairage s’applique</a:t>
+            </a:r>
+            <a:endParaRPr lang="fr-BE" dirty="0"/>
           </a:p>
         </p:txBody>
       </p:sp>
@@ -5780,27 +5792,330 @@
           <a:bodyPr/>
           <a:lstStyle/>
           <a:p>
-            <a:fld id="{C946254F-9338-4BA9-B7AC-A66622A3D013}" type="slidenum">
-              <a:rPr lang="en-US" smtClean="0">
-                <a:solidFill>
-                  <a:prstClr val="black"/>
-                </a:solidFill>
-              </a:rPr>
-              <a:pPr/>
-              <a:t>39</a:t>
+            <a:fld id="{F9B9F26C-5E20-463A-A30E-4B3CD8C634F9}" type="slidenum">
+              <a:rPr lang="en-US" smtClean="0"/>
+              <a:t>36</a:t>
             </a:fld>
-            <a:endParaRPr lang="en-US">
-              <a:solidFill>
-                <a:prstClr val="black"/>
-              </a:solidFill>
-            </a:endParaRPr>
+            <a:endParaRPr lang="en-US"/>
           </a:p>
         </p:txBody>
       </p:sp>
     </p:spTree>
     <p:extLst>
       <p:ext uri="{BB962C8B-B14F-4D97-AF65-F5344CB8AC3E}">
-        <p14:creationId xmlns:p14="http://schemas.microsoft.com/office/powerpoint/2010/main" val="1050090777"/>
+        <p14:creationId xmlns:p14="http://schemas.microsoft.com/office/powerpoint/2010/main" val="2891736738"/>
+      </p:ext>
+    </p:extLst>
+  </p:cSld>
+  <p:clrMapOvr>
+    <a:masterClrMapping/>
+  </p:clrMapOvr>
+</p:notes>
+</file>
+
+<file path=ppt/notesSlides/notesSlide27.xml><?xml version="1.0" encoding="utf-8"?>
+<p:notes xmlns:a="http://schemas.openxmlformats.org/drawingml/2006/main" xmlns:r="http://schemas.openxmlformats.org/officeDocument/2006/relationships" xmlns:p="http://schemas.openxmlformats.org/presentationml/2006/main">
+  <p:cSld>
+    <p:spTree>
+      <p:nvGrpSpPr>
+        <p:cNvPr id="1" name=""/>
+        <p:cNvGrpSpPr/>
+        <p:nvPr/>
+      </p:nvGrpSpPr>
+      <p:grpSpPr>
+        <a:xfrm>
+          <a:off x="0" y="0"/>
+          <a:ext cx="0" cy="0"/>
+          <a:chOff x="0" y="0"/>
+          <a:chExt cx="0" cy="0"/>
+        </a:xfrm>
+      </p:grpSpPr>
+      <p:sp>
+        <p:nvSpPr>
+          <p:cNvPr id="2" name="Slide Image Placeholder 1"/>
+          <p:cNvSpPr>
+            <a:spLocks noGrp="1" noRot="1" noChangeAspect="1"/>
+          </p:cNvSpPr>
+          <p:nvPr>
+            <p:ph type="sldImg"/>
+          </p:nvPr>
+        </p:nvSpPr>
+        <p:spPr/>
+      </p:sp>
+      <p:sp>
+        <p:nvSpPr>
+          <p:cNvPr id="3" name="Notes Placeholder 2"/>
+          <p:cNvSpPr>
+            <a:spLocks noGrp="1"/>
+          </p:cNvSpPr>
+          <p:nvPr>
+            <p:ph type="body" idx="1"/>
+          </p:nvPr>
+        </p:nvSpPr>
+        <p:spPr/>
+        <p:txBody>
+          <a:bodyPr/>
+          <a:lstStyle/>
+          <a:p>
+            <a:r>
+              <a:rPr lang="fr-BE" dirty="0" smtClean="0"/>
+              <a:t>MouseRotate</a:t>
+            </a:r>
+            <a:r>
+              <a:rPr lang="fr-BE" baseline="0" dirty="0" smtClean="0"/>
+              <a:t> : bouton gauche souris </a:t>
+            </a:r>
+            <a:r>
+              <a:rPr lang="fr-BE" baseline="0" dirty="0" smtClean="0">
+                <a:sym typeface="Wingdings" panose="05000000000000000000" pitchFamily="2" charset="2"/>
+              </a:rPr>
+              <a:t></a:t>
+            </a:r>
+            <a:r>
+              <a:rPr lang="fr-BE" baseline="0" dirty="0" smtClean="0"/>
+              <a:t> rotation de l’objet autour des axes X et Y</a:t>
+            </a:r>
+          </a:p>
+          <a:p>
+            <a:r>
+              <a:rPr lang="fr-BE" baseline="0" dirty="0" smtClean="0"/>
+              <a:t>MouseTranslate : bouton droit souris </a:t>
+            </a:r>
+            <a:r>
+              <a:rPr lang="fr-BE" baseline="0" dirty="0" smtClean="0">
+                <a:sym typeface="Wingdings" panose="05000000000000000000" pitchFamily="2" charset="2"/>
+              </a:rPr>
+              <a:t> </a:t>
+            </a:r>
+            <a:r>
+              <a:rPr lang="fr-BE" baseline="0" dirty="0" smtClean="0"/>
+              <a:t>translation selon les axes X et Y</a:t>
+            </a:r>
+          </a:p>
+          <a:p>
+            <a:r>
+              <a:rPr lang="fr-BE" baseline="0" dirty="0" smtClean="0"/>
+              <a:t>MouseZoom : alt + bouton gauche souris </a:t>
+            </a:r>
+            <a:r>
+              <a:rPr lang="fr-BE" baseline="0" dirty="0" smtClean="0">
+                <a:sym typeface="Wingdings" panose="05000000000000000000" pitchFamily="2" charset="2"/>
+              </a:rPr>
+              <a:t> zoom selon l’axe Z</a:t>
+            </a:r>
+          </a:p>
+          <a:p>
+            <a:r>
+              <a:rPr lang="fr-BE" baseline="0" dirty="0" smtClean="0">
+                <a:sym typeface="Wingdings" panose="05000000000000000000" pitchFamily="2" charset="2"/>
+              </a:rPr>
+              <a:t>MouseWheelZoom : roulette souris  zoom selon axe Z</a:t>
+            </a:r>
+            <a:endParaRPr lang="fr-BE" baseline="0" dirty="0" smtClean="0"/>
+          </a:p>
+          <a:p>
+            <a:endParaRPr lang="fr-BE" dirty="0"/>
+          </a:p>
+        </p:txBody>
+      </p:sp>
+      <p:sp>
+        <p:nvSpPr>
+          <p:cNvPr id="4" name="Slide Number Placeholder 3"/>
+          <p:cNvSpPr>
+            <a:spLocks noGrp="1"/>
+          </p:cNvSpPr>
+          <p:nvPr>
+            <p:ph type="sldNum" sz="quarter" idx="10"/>
+          </p:nvPr>
+        </p:nvSpPr>
+        <p:spPr/>
+        <p:txBody>
+          <a:bodyPr/>
+          <a:lstStyle/>
+          <a:p>
+            <a:fld id="{F9B9F26C-5E20-463A-A30E-4B3CD8C634F9}" type="slidenum">
+              <a:rPr lang="en-US" smtClean="0"/>
+              <a:t>37</a:t>
+            </a:fld>
+            <a:endParaRPr lang="en-US"/>
+          </a:p>
+        </p:txBody>
+      </p:sp>
+    </p:spTree>
+    <p:extLst>
+      <p:ext uri="{BB962C8B-B14F-4D97-AF65-F5344CB8AC3E}">
+        <p14:creationId xmlns:p14="http://schemas.microsoft.com/office/powerpoint/2010/main" val="1266529169"/>
+      </p:ext>
+    </p:extLst>
+  </p:cSld>
+  <p:clrMapOvr>
+    <a:masterClrMapping/>
+  </p:clrMapOvr>
+</p:notes>
+</file>
+
+<file path=ppt/notesSlides/notesSlide28.xml><?xml version="1.0" encoding="utf-8"?>
+<p:notes xmlns:a="http://schemas.openxmlformats.org/drawingml/2006/main" xmlns:r="http://schemas.openxmlformats.org/officeDocument/2006/relationships" xmlns:p="http://schemas.openxmlformats.org/presentationml/2006/main">
+  <p:cSld>
+    <p:spTree>
+      <p:nvGrpSpPr>
+        <p:cNvPr id="1" name=""/>
+        <p:cNvGrpSpPr/>
+        <p:nvPr/>
+      </p:nvGrpSpPr>
+      <p:grpSpPr>
+        <a:xfrm>
+          <a:off x="0" y="0"/>
+          <a:ext cx="0" cy="0"/>
+          <a:chOff x="0" y="0"/>
+          <a:chExt cx="0" cy="0"/>
+        </a:xfrm>
+      </p:grpSpPr>
+      <p:sp>
+        <p:nvSpPr>
+          <p:cNvPr id="2" name="Slide Image Placeholder 1"/>
+          <p:cNvSpPr>
+            <a:spLocks noGrp="1" noRot="1" noChangeAspect="1"/>
+          </p:cNvSpPr>
+          <p:nvPr>
+            <p:ph type="sldImg"/>
+          </p:nvPr>
+        </p:nvSpPr>
+        <p:spPr/>
+      </p:sp>
+      <p:sp>
+        <p:nvSpPr>
+          <p:cNvPr id="3" name="Notes Placeholder 2"/>
+          <p:cNvSpPr>
+            <a:spLocks noGrp="1"/>
+          </p:cNvSpPr>
+          <p:nvPr>
+            <p:ph type="body" idx="1"/>
+          </p:nvPr>
+        </p:nvSpPr>
+        <p:spPr/>
+        <p:txBody>
+          <a:bodyPr/>
+          <a:lstStyle/>
+          <a:p>
+            <a:r>
+              <a:rPr lang="fr-BE" baseline="0" dirty="0" smtClean="0"/>
+              <a:t>Un Behavior est le fils d’BranchGroup mais a un TransformGroup auquel il s’applique</a:t>
+            </a:r>
+          </a:p>
+        </p:txBody>
+      </p:sp>
+      <p:sp>
+        <p:nvSpPr>
+          <p:cNvPr id="4" name="Slide Number Placeholder 3"/>
+          <p:cNvSpPr>
+            <a:spLocks noGrp="1"/>
+          </p:cNvSpPr>
+          <p:nvPr>
+            <p:ph type="sldNum" sz="quarter" idx="10"/>
+          </p:nvPr>
+        </p:nvSpPr>
+        <p:spPr/>
+        <p:txBody>
+          <a:bodyPr/>
+          <a:lstStyle/>
+          <a:p>
+            <a:fld id="{F9B9F26C-5E20-463A-A30E-4B3CD8C634F9}" type="slidenum">
+              <a:rPr lang="en-US" smtClean="0"/>
+              <a:t>38</a:t>
+            </a:fld>
+            <a:endParaRPr lang="en-US"/>
+          </a:p>
+        </p:txBody>
+      </p:sp>
+    </p:spTree>
+    <p:extLst>
+      <p:ext uri="{BB962C8B-B14F-4D97-AF65-F5344CB8AC3E}">
+        <p14:creationId xmlns:p14="http://schemas.microsoft.com/office/powerpoint/2010/main" val="2716323249"/>
+      </p:ext>
+    </p:extLst>
+  </p:cSld>
+  <p:clrMapOvr>
+    <a:masterClrMapping/>
+  </p:clrMapOvr>
+</p:notes>
+</file>
+
+<file path=ppt/notesSlides/notesSlide29.xml><?xml version="1.0" encoding="utf-8"?>
+<p:notes xmlns:a="http://schemas.openxmlformats.org/drawingml/2006/main" xmlns:r="http://schemas.openxmlformats.org/officeDocument/2006/relationships" xmlns:p="http://schemas.openxmlformats.org/presentationml/2006/main">
+  <p:cSld>
+    <p:spTree>
+      <p:nvGrpSpPr>
+        <p:cNvPr id="1" name=""/>
+        <p:cNvGrpSpPr/>
+        <p:nvPr/>
+      </p:nvGrpSpPr>
+      <p:grpSpPr>
+        <a:xfrm>
+          <a:off x="0" y="0"/>
+          <a:ext cx="0" cy="0"/>
+          <a:chOff x="0" y="0"/>
+          <a:chExt cx="0" cy="0"/>
+        </a:xfrm>
+      </p:grpSpPr>
+      <p:sp>
+        <p:nvSpPr>
+          <p:cNvPr id="2" name="Slide Image Placeholder 1"/>
+          <p:cNvSpPr>
+            <a:spLocks noGrp="1" noRot="1" noChangeAspect="1"/>
+          </p:cNvSpPr>
+          <p:nvPr>
+            <p:ph type="sldImg"/>
+          </p:nvPr>
+        </p:nvSpPr>
+        <p:spPr/>
+      </p:sp>
+      <p:sp>
+        <p:nvSpPr>
+          <p:cNvPr id="3" name="Notes Placeholder 2"/>
+          <p:cNvSpPr>
+            <a:spLocks noGrp="1"/>
+          </p:cNvSpPr>
+          <p:nvPr>
+            <p:ph type="body" idx="1"/>
+          </p:nvPr>
+        </p:nvSpPr>
+        <p:spPr/>
+        <p:txBody>
+          <a:bodyPr/>
+          <a:lstStyle/>
+          <a:p>
+            <a:endParaRPr lang="fr-BE" baseline="0" dirty="0" smtClean="0"/>
+          </a:p>
+        </p:txBody>
+      </p:sp>
+      <p:sp>
+        <p:nvSpPr>
+          <p:cNvPr id="4" name="Slide Number Placeholder 3"/>
+          <p:cNvSpPr>
+            <a:spLocks noGrp="1"/>
+          </p:cNvSpPr>
+          <p:nvPr>
+            <p:ph type="sldNum" sz="quarter" idx="10"/>
+          </p:nvPr>
+        </p:nvSpPr>
+        <p:spPr/>
+        <p:txBody>
+          <a:bodyPr/>
+          <a:lstStyle/>
+          <a:p>
+            <a:fld id="{F9B9F26C-5E20-463A-A30E-4B3CD8C634F9}" type="slidenum">
+              <a:rPr lang="en-US" smtClean="0"/>
+              <a:t>39</a:t>
+            </a:fld>
+            <a:endParaRPr lang="en-US"/>
+          </a:p>
+        </p:txBody>
+      </p:sp>
+    </p:spTree>
+    <p:extLst>
+      <p:ext uri="{BB962C8B-B14F-4D97-AF65-F5344CB8AC3E}">
+        <p14:creationId xmlns:p14="http://schemas.microsoft.com/office/powerpoint/2010/main" val="3963006405"/>
       </p:ext>
     </p:extLst>
   </p:cSld>
@@ -6187,6 +6502,99 @@
     <p:extLst>
       <p:ext uri="{BB962C8B-B14F-4D97-AF65-F5344CB8AC3E}">
         <p14:creationId xmlns:p14="http://schemas.microsoft.com/office/powerpoint/2010/main" val="1159131852"/>
+      </p:ext>
+    </p:extLst>
+  </p:cSld>
+  <p:clrMapOvr>
+    <a:masterClrMapping/>
+  </p:clrMapOvr>
+</p:notes>
+</file>
+
+<file path=ppt/notesSlides/notesSlide30.xml><?xml version="1.0" encoding="utf-8"?>
+<p:notes xmlns:a="http://schemas.openxmlformats.org/drawingml/2006/main" xmlns:r="http://schemas.openxmlformats.org/officeDocument/2006/relationships" xmlns:p="http://schemas.openxmlformats.org/presentationml/2006/main">
+  <p:cSld>
+    <p:spTree>
+      <p:nvGrpSpPr>
+        <p:cNvPr id="1" name=""/>
+        <p:cNvGrpSpPr/>
+        <p:nvPr/>
+      </p:nvGrpSpPr>
+      <p:grpSpPr>
+        <a:xfrm>
+          <a:off x="0" y="0"/>
+          <a:ext cx="0" cy="0"/>
+          <a:chOff x="0" y="0"/>
+          <a:chExt cx="0" cy="0"/>
+        </a:xfrm>
+      </p:grpSpPr>
+      <p:sp>
+        <p:nvSpPr>
+          <p:cNvPr id="2" name="Slide Image Placeholder 1"/>
+          <p:cNvSpPr>
+            <a:spLocks noGrp="1" noRot="1" noChangeAspect="1"/>
+          </p:cNvSpPr>
+          <p:nvPr>
+            <p:ph type="sldImg"/>
+          </p:nvPr>
+        </p:nvSpPr>
+        <p:spPr/>
+      </p:sp>
+      <p:sp>
+        <p:nvSpPr>
+          <p:cNvPr id="3" name="Notes Placeholder 2"/>
+          <p:cNvSpPr>
+            <a:spLocks noGrp="1"/>
+          </p:cNvSpPr>
+          <p:nvPr>
+            <p:ph type="body" idx="1"/>
+          </p:nvPr>
+        </p:nvSpPr>
+        <p:spPr/>
+        <p:txBody>
+          <a:bodyPr/>
+          <a:lstStyle/>
+          <a:p>
+            <a:endParaRPr lang="en-US" dirty="0"/>
+          </a:p>
+        </p:txBody>
+      </p:sp>
+      <p:sp>
+        <p:nvSpPr>
+          <p:cNvPr id="4" name="Slide Number Placeholder 3"/>
+          <p:cNvSpPr>
+            <a:spLocks noGrp="1"/>
+          </p:cNvSpPr>
+          <p:nvPr>
+            <p:ph type="sldNum" sz="quarter" idx="10"/>
+          </p:nvPr>
+        </p:nvSpPr>
+        <p:spPr/>
+        <p:txBody>
+          <a:bodyPr/>
+          <a:lstStyle/>
+          <a:p>
+            <a:fld id="{C946254F-9338-4BA9-B7AC-A66622A3D013}" type="slidenum">
+              <a:rPr lang="en-US" smtClean="0">
+                <a:solidFill>
+                  <a:prstClr val="black"/>
+                </a:solidFill>
+              </a:rPr>
+              <a:pPr/>
+              <a:t>43</a:t>
+            </a:fld>
+            <a:endParaRPr lang="en-US">
+              <a:solidFill>
+                <a:prstClr val="black"/>
+              </a:solidFill>
+            </a:endParaRPr>
+          </a:p>
+        </p:txBody>
+      </p:sp>
+    </p:spTree>
+    <p:extLst>
+      <p:ext uri="{BB962C8B-B14F-4D97-AF65-F5344CB8AC3E}">
+        <p14:creationId xmlns:p14="http://schemas.microsoft.com/office/powerpoint/2010/main" val="1050090777"/>
       </p:ext>
     </p:extLst>
   </p:cSld>
@@ -7796,7 +8204,7 @@
             <a:fld id="{B82CCC60-E8CD-4174-8B1A-7DF615B22EEF}" type="slidenum">
               <a:rPr lang="en-US" smtClean="0"/>
               <a:pPr/>
-              <a:t>‹N°›</a:t>
+              <a:t>‹#›</a:t>
             </a:fld>
             <a:endParaRPr lang="en-US" dirty="0"/>
           </a:p>
@@ -8051,7 +8459,7 @@
             <a:fld id="{B82CCC60-E8CD-4174-8B1A-7DF615B22EEF}" type="slidenum">
               <a:rPr lang="en-US" smtClean="0"/>
               <a:pPr/>
-              <a:t>‹N°›</a:t>
+              <a:t>‹#›</a:t>
             </a:fld>
             <a:endParaRPr lang="en-US"/>
           </a:p>
@@ -8223,7 +8631,7 @@
             <a:fld id="{B82CCC60-E8CD-4174-8B1A-7DF615B22EEF}" type="slidenum">
               <a:rPr lang="en-US" smtClean="0"/>
               <a:pPr/>
-              <a:t>‹N°›</a:t>
+              <a:t>‹#›</a:t>
             </a:fld>
             <a:endParaRPr lang="en-US"/>
           </a:p>
@@ -8405,7 +8813,7 @@
             <a:fld id="{B82CCC60-E8CD-4174-8B1A-7DF615B22EEF}" type="slidenum">
               <a:rPr lang="en-US" smtClean="0"/>
               <a:pPr/>
-              <a:t>‹N°›</a:t>
+              <a:t>‹#›</a:t>
             </a:fld>
             <a:endParaRPr lang="en-US"/>
           </a:p>
@@ -8640,7 +9048,7 @@
             <a:fld id="{B82CCC60-E8CD-4174-8B1A-7DF615B22EEF}" type="slidenum">
               <a:rPr lang="en-US" smtClean="0"/>
               <a:pPr/>
-              <a:t>‹N°›</a:t>
+              <a:t>‹#›</a:t>
             </a:fld>
             <a:endParaRPr lang="en-US"/>
           </a:p>
@@ -8889,7 +9297,7 @@
             <a:fld id="{B82CCC60-E8CD-4174-8B1A-7DF615B22EEF}" type="slidenum">
               <a:rPr lang="en-US" smtClean="0"/>
               <a:pPr/>
-              <a:t>‹N°›</a:t>
+              <a:t>‹#›</a:t>
             </a:fld>
             <a:endParaRPr lang="en-US"/>
           </a:p>
@@ -9137,7 +9545,7 @@
             <a:fld id="{B82CCC60-E8CD-4174-8B1A-7DF615B22EEF}" type="slidenum">
               <a:rPr lang="en-US" smtClean="0"/>
               <a:pPr/>
-              <a:t>‹N°›</a:t>
+              <a:t>‹#›</a:t>
             </a:fld>
             <a:endParaRPr lang="en-US"/>
           </a:p>
@@ -9432,7 +9840,7 @@
             <a:fld id="{B82CCC60-E8CD-4174-8B1A-7DF615B22EEF}" type="slidenum">
               <a:rPr lang="en-US" smtClean="0"/>
               <a:pPr/>
-              <a:t>‹N°›</a:t>
+              <a:t>‹#›</a:t>
             </a:fld>
             <a:endParaRPr lang="en-US"/>
           </a:p>
@@ -9922,7 +10330,7 @@
             <a:fld id="{B82CCC60-E8CD-4174-8B1A-7DF615B22EEF}" type="slidenum">
               <a:rPr lang="en-US" smtClean="0"/>
               <a:pPr/>
-              <a:t>‹N°›</a:t>
+              <a:t>‹#›</a:t>
             </a:fld>
             <a:endParaRPr lang="en-US"/>
           </a:p>
@@ -10042,7 +10450,7 @@
             <a:fld id="{B82CCC60-E8CD-4174-8B1A-7DF615B22EEF}" type="slidenum">
               <a:rPr lang="en-US" smtClean="0"/>
               <a:pPr/>
-              <a:t>‹N°›</a:t>
+              <a:t>‹#›</a:t>
             </a:fld>
             <a:endParaRPr lang="en-US"/>
           </a:p>
@@ -10139,7 +10547,7 @@
             <a:fld id="{B82CCC60-E8CD-4174-8B1A-7DF615B22EEF}" type="slidenum">
               <a:rPr lang="en-US" smtClean="0"/>
               <a:pPr/>
-              <a:t>‹N°›</a:t>
+              <a:t>‹#›</a:t>
             </a:fld>
             <a:endParaRPr lang="en-US"/>
           </a:p>
@@ -10418,7 +10826,7 @@
             <a:fld id="{B82CCC60-E8CD-4174-8B1A-7DF615B22EEF}" type="slidenum">
               <a:rPr lang="en-US" smtClean="0"/>
               <a:pPr/>
-              <a:t>‹N°›</a:t>
+              <a:t>‹#›</a:t>
             </a:fld>
             <a:endParaRPr lang="en-US"/>
           </a:p>
@@ -10678,7 +11086,7 @@
             <a:fld id="{B82CCC60-E8CD-4174-8B1A-7DF615B22EEF}" type="slidenum">
               <a:rPr lang="en-US" smtClean="0"/>
               <a:pPr/>
-              <a:t>‹N°›</a:t>
+              <a:t>‹#›</a:t>
             </a:fld>
             <a:endParaRPr lang="en-US"/>
           </a:p>
@@ -14536,7 +14944,7 @@
             </a:r>
           </a:p>
           <a:p>
-            <a:pPr lvl="1"/>
+            <a:pPr lvl="2"/>
             <a:r>
               <a:rPr lang="fr-BE" dirty="0" err="1" smtClean="0">
                 <a:solidFill>
@@ -14604,7 +15012,7 @@
           <a:p>
             <a:pPr lvl="2"/>
             <a:r>
-              <a:rPr lang="fr-BE" dirty="0" err="1" smtClean="0">
+              <a:rPr lang="fr-BE" dirty="0" smtClean="0">
                 <a:solidFill>
                   <a:schemeClr val="tx1">
                     <a:lumMod val="95000"/>
@@ -14612,7 +15020,7 @@
                   </a:schemeClr>
                 </a:solidFill>
               </a:rPr>
-              <a:t>Materiaux</a:t>
+              <a:t>Material</a:t>
             </a:r>
             <a:endParaRPr lang="fr-BE" dirty="0" smtClean="0">
               <a:solidFill>
@@ -15478,10 +15886,6 @@
               <a:rPr lang="fr-BE" dirty="0"/>
               <a:t>,</a:t>
             </a:r>
-            <a:r>
-              <a:rPr lang="fr-BE" dirty="0"/>
-              <a:t/>
-            </a:r>
             <a:br>
               <a:rPr lang="fr-BE" dirty="0"/>
             </a:br>
@@ -15497,10 +15901,6 @@
               <a:rPr lang="fr-BE" dirty="0"/>
               <a:t>,</a:t>
             </a:r>
-            <a:r>
-              <a:rPr lang="fr-BE" dirty="0"/>
-              <a:t/>
-            </a:r>
             <a:br>
               <a:rPr lang="fr-BE" dirty="0"/>
             </a:br>
@@ -15529,10 +15929,6 @@
               <a:rPr lang="fr-BE" dirty="0"/>
               <a:t>);</a:t>
             </a:r>
-            <a:r>
-              <a:rPr lang="fr-BE" dirty="0"/>
-              <a:t/>
-            </a:r>
             <a:br>
               <a:rPr lang="fr-BE" dirty="0"/>
             </a:br>
@@ -15573,10 +15969,6 @@
               <a:rPr lang="fr-BE" dirty="0"/>
               <a:t>,</a:t>
             </a:r>
-            <a:r>
-              <a:rPr lang="fr-BE" dirty="0"/>
-              <a:t/>
-            </a:r>
             <a:br>
               <a:rPr lang="fr-BE" dirty="0"/>
             </a:br>
@@ -15592,10 +15984,6 @@
               <a:rPr lang="fr-BE" dirty="0"/>
               <a:t>,</a:t>
             </a:r>
-            <a:r>
-              <a:rPr lang="fr-BE" dirty="0"/>
-              <a:t/>
-            </a:r>
             <a:br>
               <a:rPr lang="fr-BE" dirty="0"/>
             </a:br>
@@ -15610,10 +15998,6 @@
             <a:r>
               <a:rPr lang="fr-BE" dirty="0"/>
               <a:t>);</a:t>
-            </a:r>
-            <a:r>
-              <a:rPr lang="fr-BE" dirty="0"/>
-              <a:t/>
             </a:r>
             <a:br>
               <a:rPr lang="fr-BE" dirty="0"/>
@@ -16592,10 +16976,6 @@
               <a:rPr lang="fr-BE" dirty="0"/>
               <a:t>)</a:t>
             </a:r>
-            <a:r>
-              <a:rPr lang="fr-BE" dirty="0"/>
-              <a:t/>
-            </a:r>
             <a:br>
               <a:rPr lang="fr-BE" dirty="0"/>
             </a:br>
@@ -16655,10 +17035,6 @@
             <a:r>
               <a:rPr lang="fr-BE" dirty="0"/>
               <a:t>.</a:t>
-            </a:r>
-            <a:r>
-              <a:rPr lang="fr-BE" dirty="0"/>
-              <a:t/>
             </a:r>
             <a:br>
               <a:rPr lang="fr-BE" dirty="0"/>
@@ -17049,7 +17425,6 @@
               <a:rPr lang="fr-BE" dirty="0"/>
               <a:t>unidirectionnelle ne réfléchit que les couleurs diffuses et spéculaires </a:t>
             </a:r>
-            <a:endParaRPr lang="fr-BE" dirty="0"/>
           </a:p>
         </p:txBody>
       </p:sp>
@@ -17526,6 +17901,784 @@
       </p:grpSpPr>
       <p:sp>
         <p:nvSpPr>
+          <p:cNvPr id="2" name="Titre 1"/>
+          <p:cNvSpPr>
+            <a:spLocks noGrp="1"/>
+          </p:cNvSpPr>
+          <p:nvPr>
+            <p:ph type="title"/>
+          </p:nvPr>
+        </p:nvSpPr>
+        <p:spPr/>
+        <p:txBody>
+          <a:bodyPr/>
+          <a:lstStyle/>
+          <a:p>
+            <a:r>
+              <a:rPr lang="fr-BE" dirty="0"/>
+              <a:t>E</a:t>
+            </a:r>
+            <a:r>
+              <a:rPr lang="fr-BE" dirty="0" smtClean="0"/>
+              <a:t>clairage : champ d’action</a:t>
+            </a:r>
+            <a:endParaRPr lang="fr-BE" dirty="0"/>
+          </a:p>
+        </p:txBody>
+      </p:sp>
+      <p:sp>
+        <p:nvSpPr>
+          <p:cNvPr id="3" name="Espace réservé du contenu 2"/>
+          <p:cNvSpPr>
+            <a:spLocks noGrp="1"/>
+          </p:cNvSpPr>
+          <p:nvPr>
+            <p:ph idx="1"/>
+          </p:nvPr>
+        </p:nvSpPr>
+        <p:spPr>
+          <a:xfrm>
+            <a:off x="1212490" y="1749245"/>
+            <a:ext cx="7787954" cy="2129849"/>
+          </a:xfrm>
+        </p:spPr>
+        <p:txBody>
+          <a:bodyPr/>
+          <a:lstStyle/>
+          <a:p>
+            <a:r>
+              <a:rPr lang="fr-BE" dirty="0" smtClean="0"/>
+              <a:t>L’éclairage ne s’applique plus à toute la scène</a:t>
+            </a:r>
+          </a:p>
+          <a:p>
+            <a:r>
+              <a:rPr lang="fr-BE" dirty="0" smtClean="0"/>
+              <a:t>L’éclairage s’applique à un groupe d’objets choisis</a:t>
+            </a:r>
+          </a:p>
+          <a:p>
+            <a:r>
+              <a:rPr lang="fr-BE" dirty="0" smtClean="0"/>
+              <a:t>Méthode addScope(Group) de la classe « Light »</a:t>
+            </a:r>
+            <a:endParaRPr lang="fr-BE" dirty="0"/>
+          </a:p>
+        </p:txBody>
+      </p:sp>
+    </p:spTree>
+    <p:extLst>
+      <p:ext uri="{BB962C8B-B14F-4D97-AF65-F5344CB8AC3E}">
+        <p14:creationId xmlns:p14="http://schemas.microsoft.com/office/powerpoint/2010/main" val="2586365812"/>
+      </p:ext>
+    </p:extLst>
+  </p:cSld>
+  <p:clrMapOvr>
+    <a:masterClrMapping/>
+  </p:clrMapOvr>
+</p:sld>
+</file>
+
+<file path=ppt/slides/slide37.xml><?xml version="1.0" encoding="utf-8"?>
+<p:sld xmlns:a="http://schemas.openxmlformats.org/drawingml/2006/main" xmlns:r="http://schemas.openxmlformats.org/officeDocument/2006/relationships" xmlns:p="http://schemas.openxmlformats.org/presentationml/2006/main">
+  <p:cSld>
+    <p:spTree>
+      <p:nvGrpSpPr>
+        <p:cNvPr id="1" name=""/>
+        <p:cNvGrpSpPr/>
+        <p:nvPr/>
+      </p:nvGrpSpPr>
+      <p:grpSpPr>
+        <a:xfrm>
+          <a:off x="0" y="0"/>
+          <a:ext cx="0" cy="0"/>
+          <a:chOff x="0" y="0"/>
+          <a:chExt cx="0" cy="0"/>
+        </a:xfrm>
+      </p:grpSpPr>
+      <p:sp>
+        <p:nvSpPr>
+          <p:cNvPr id="6" name="Content Placeholder 5"/>
+          <p:cNvSpPr>
+            <a:spLocks noGrp="1"/>
+          </p:cNvSpPr>
+          <p:nvPr>
+            <p:ph sz="half" idx="2"/>
+          </p:nvPr>
+        </p:nvSpPr>
+        <p:spPr>
+          <a:xfrm>
+            <a:off x="448965" y="2207360"/>
+            <a:ext cx="8695035" cy="3035058"/>
+          </a:xfrm>
+        </p:spPr>
+        <p:txBody>
+          <a:bodyPr/>
+          <a:lstStyle/>
+          <a:p>
+            <a:r>
+              <a:rPr lang="fr-BE" dirty="0" smtClean="0"/>
+              <a:t>Classe abstraite « Behavior »</a:t>
+            </a:r>
+          </a:p>
+          <a:p>
+            <a:r>
+              <a:rPr lang="fr-BE" dirty="0" smtClean="0"/>
+              <a:t>Classe abstraite « MouseBehavior »</a:t>
+            </a:r>
+          </a:p>
+          <a:p>
+            <a:r>
+              <a:rPr lang="fr-BE" dirty="0" smtClean="0"/>
+              <a:t>4 Classes de base : « MouseRotate », « MouseTranslate », « MouseZoom », « MouseWheelZoom »</a:t>
+            </a:r>
+          </a:p>
+          <a:p>
+            <a:r>
+              <a:rPr lang="fr-BE" dirty="0" smtClean="0"/>
+              <a:t>Actions prédéfinies</a:t>
+            </a:r>
+          </a:p>
+          <a:p>
+            <a:endParaRPr lang="fr-BE" dirty="0"/>
+          </a:p>
+          <a:p>
+            <a:endParaRPr lang="fr-BE" dirty="0"/>
+          </a:p>
+        </p:txBody>
+      </p:sp>
+      <p:sp>
+        <p:nvSpPr>
+          <p:cNvPr id="7" name="Titre 1"/>
+          <p:cNvSpPr>
+            <a:spLocks noGrp="1"/>
+          </p:cNvSpPr>
+          <p:nvPr>
+            <p:ph type="title"/>
+          </p:nvPr>
+        </p:nvSpPr>
+        <p:spPr>
+          <a:xfrm>
+            <a:off x="2128720" y="985717"/>
+            <a:ext cx="6719020" cy="763525"/>
+          </a:xfrm>
+        </p:spPr>
+        <p:txBody>
+          <a:bodyPr>
+            <a:normAutofit/>
+          </a:bodyPr>
+          <a:lstStyle/>
+          <a:p>
+            <a:r>
+              <a:rPr lang="fr-BE" dirty="0" smtClean="0"/>
+              <a:t>Interaction avec la souris</a:t>
+            </a:r>
+            <a:endParaRPr lang="fr-BE" dirty="0"/>
+          </a:p>
+        </p:txBody>
+      </p:sp>
+      <p:sp>
+        <p:nvSpPr>
+          <p:cNvPr id="8" name="TextBox 7"/>
+          <p:cNvSpPr txBox="1"/>
+          <p:nvPr/>
+        </p:nvSpPr>
+        <p:spPr>
+          <a:xfrm>
+            <a:off x="907080" y="4650640"/>
+            <a:ext cx="7177135" cy="1938992"/>
+          </a:xfrm>
+          <a:prstGeom prst="rect">
+            <a:avLst/>
+          </a:prstGeom>
+          <a:noFill/>
+        </p:spPr>
+        <p:txBody>
+          <a:bodyPr wrap="square" rtlCol="0">
+            <a:spAutoFit/>
+          </a:bodyPr>
+          <a:lstStyle/>
+          <a:p>
+            <a:r>
+              <a:rPr lang="fr-BE" sz="2000" dirty="0">
+                <a:solidFill>
+                  <a:schemeClr val="bg1"/>
+                </a:solidFill>
+              </a:rPr>
+              <a:t>BranchGroup parent = new BranchGroup</a:t>
+            </a:r>
+            <a:r>
+              <a:rPr lang="fr-BE" sz="2000" dirty="0" smtClean="0">
+                <a:solidFill>
+                  <a:schemeClr val="bg1"/>
+                </a:solidFill>
+              </a:rPr>
+              <a:t>();</a:t>
+            </a:r>
+            <a:endParaRPr lang="fr-BE" sz="2000" dirty="0">
+              <a:solidFill>
+                <a:schemeClr val="bg1"/>
+              </a:solidFill>
+            </a:endParaRPr>
+          </a:p>
+          <a:p>
+            <a:r>
+              <a:rPr lang="fr-BE" sz="2000" dirty="0">
+                <a:solidFill>
+                  <a:schemeClr val="bg1"/>
+                </a:solidFill>
+              </a:rPr>
+              <a:t>TransformGroup mouseTransform = new TransformGroup</a:t>
+            </a:r>
+            <a:r>
+              <a:rPr lang="fr-BE" sz="2000" dirty="0" smtClean="0">
+                <a:solidFill>
+                  <a:schemeClr val="bg1"/>
+                </a:solidFill>
+              </a:rPr>
+              <a:t>();</a:t>
+            </a:r>
+            <a:endParaRPr lang="fr-BE" sz="2000" dirty="0">
+              <a:solidFill>
+                <a:schemeClr val="bg1"/>
+              </a:solidFill>
+            </a:endParaRPr>
+          </a:p>
+          <a:p>
+            <a:r>
+              <a:rPr lang="fr-BE" sz="2000" dirty="0">
+                <a:solidFill>
+                  <a:schemeClr val="bg1"/>
+                </a:solidFill>
+              </a:rPr>
+              <a:t/>
+            </a:r>
+            <a:br>
+              <a:rPr lang="fr-BE" sz="2000" dirty="0">
+                <a:solidFill>
+                  <a:schemeClr val="bg1"/>
+                </a:solidFill>
+              </a:rPr>
+            </a:br>
+            <a:r>
+              <a:rPr lang="fr-BE" sz="2000" dirty="0">
+                <a:solidFill>
+                  <a:schemeClr val="bg1"/>
+                </a:solidFill>
+              </a:rPr>
+              <a:t>MouseRotate rotate = </a:t>
+            </a:r>
+            <a:r>
+              <a:rPr lang="fr-BE" sz="2000" dirty="0" smtClean="0">
+                <a:solidFill>
+                  <a:schemeClr val="bg1"/>
+                </a:solidFill>
+              </a:rPr>
+              <a:t>new MouseRotate(mouseTransform);</a:t>
+            </a:r>
+          </a:p>
+          <a:p>
+            <a:r>
+              <a:rPr lang="fr-BE" sz="2000" dirty="0" smtClean="0">
+                <a:solidFill>
+                  <a:schemeClr val="bg1"/>
+                </a:solidFill>
+              </a:rPr>
+              <a:t>rotate.setSchedulingBounds(new </a:t>
+            </a:r>
+            <a:r>
+              <a:rPr lang="fr-BE" sz="2000" dirty="0">
+                <a:solidFill>
+                  <a:schemeClr val="bg1"/>
+                </a:solidFill>
+              </a:rPr>
+              <a:t>BoundingSphere</a:t>
+            </a:r>
+            <a:r>
+              <a:rPr lang="fr-BE" sz="2000" dirty="0" smtClean="0">
+                <a:solidFill>
+                  <a:schemeClr val="bg1"/>
+                </a:solidFill>
+              </a:rPr>
+              <a:t>()); parent.addChild(rotate);</a:t>
+            </a:r>
+            <a:endParaRPr lang="fr-BE" sz="2000" dirty="0">
+              <a:solidFill>
+                <a:schemeClr val="bg1"/>
+              </a:solidFill>
+            </a:endParaRPr>
+          </a:p>
+        </p:txBody>
+      </p:sp>
+    </p:spTree>
+    <p:extLst>
+      <p:ext uri="{BB962C8B-B14F-4D97-AF65-F5344CB8AC3E}">
+        <p14:creationId xmlns:p14="http://schemas.microsoft.com/office/powerpoint/2010/main" val="155487325"/>
+      </p:ext>
+    </p:extLst>
+  </p:cSld>
+  <p:clrMapOvr>
+    <a:masterClrMapping/>
+  </p:clrMapOvr>
+  <p:timing>
+    <p:tnLst>
+      <p:par>
+        <p:cTn id="1" dur="indefinite" restart="never" nodeType="tmRoot"/>
+      </p:par>
+    </p:tnLst>
+  </p:timing>
+</p:sld>
+</file>
+
+<file path=ppt/slides/slide38.xml><?xml version="1.0" encoding="utf-8"?>
+<p:sld xmlns:a="http://schemas.openxmlformats.org/drawingml/2006/main" xmlns:r="http://schemas.openxmlformats.org/officeDocument/2006/relationships" xmlns:p="http://schemas.openxmlformats.org/presentationml/2006/main">
+  <p:cSld>
+    <p:spTree>
+      <p:nvGrpSpPr>
+        <p:cNvPr id="1" name=""/>
+        <p:cNvGrpSpPr/>
+        <p:nvPr/>
+      </p:nvGrpSpPr>
+      <p:grpSpPr>
+        <a:xfrm>
+          <a:off x="0" y="0"/>
+          <a:ext cx="0" cy="0"/>
+          <a:chOff x="0" y="0"/>
+          <a:chExt cx="0" cy="0"/>
+        </a:xfrm>
+      </p:grpSpPr>
+      <p:sp>
+        <p:nvSpPr>
+          <p:cNvPr id="8" name="Titre 1"/>
+          <p:cNvSpPr>
+            <a:spLocks noGrp="1"/>
+          </p:cNvSpPr>
+          <p:nvPr>
+            <p:ph type="title"/>
+          </p:nvPr>
+        </p:nvSpPr>
+        <p:spPr>
+          <a:xfrm>
+            <a:off x="2128720" y="222195"/>
+            <a:ext cx="6719020" cy="763525"/>
+          </a:xfrm>
+        </p:spPr>
+        <p:txBody>
+          <a:bodyPr>
+            <a:normAutofit/>
+          </a:bodyPr>
+          <a:lstStyle/>
+          <a:p>
+            <a:r>
+              <a:rPr lang="fr-BE" dirty="0" smtClean="0"/>
+              <a:t>Interaction avec la souris</a:t>
+            </a:r>
+            <a:endParaRPr lang="fr-BE" dirty="0"/>
+          </a:p>
+        </p:txBody>
+      </p:sp>
+      <p:pic>
+        <p:nvPicPr>
+          <p:cNvPr id="9" name="Content Placeholder 2"/>
+          <p:cNvPicPr>
+            <a:picLocks noGrp="1" noChangeAspect="1"/>
+          </p:cNvPicPr>
+          <p:nvPr>
+            <p:ph sz="half" idx="4294967295"/>
+          </p:nvPr>
+        </p:nvPicPr>
+        <p:blipFill>
+          <a:blip r:embed="rId3">
+            <a:extLst>
+              <a:ext uri="{28A0092B-C50C-407E-A947-70E740481C1C}">
+                <a14:useLocalDpi xmlns:a14="http://schemas.microsoft.com/office/drawing/2010/main" val="0"/>
+              </a:ext>
+            </a:extLst>
+          </a:blip>
+          <a:stretch>
+            <a:fillRect/>
+          </a:stretch>
+        </p:blipFill>
+        <p:spPr>
+          <a:xfrm>
+            <a:off x="2892245" y="1291130"/>
+            <a:ext cx="5578124" cy="5100002"/>
+          </a:xfrm>
+          <a:prstGeom prst="rect">
+            <a:avLst/>
+          </a:prstGeom>
+        </p:spPr>
+      </p:pic>
+    </p:spTree>
+    <p:extLst>
+      <p:ext uri="{BB962C8B-B14F-4D97-AF65-F5344CB8AC3E}">
+        <p14:creationId xmlns:p14="http://schemas.microsoft.com/office/powerpoint/2010/main" val="965808517"/>
+      </p:ext>
+    </p:extLst>
+  </p:cSld>
+  <p:clrMapOvr>
+    <a:masterClrMapping/>
+  </p:clrMapOvr>
+  <p:timing>
+    <p:tnLst>
+      <p:par>
+        <p:cTn id="1" dur="indefinite" restart="never" nodeType="tmRoot"/>
+      </p:par>
+    </p:tnLst>
+  </p:timing>
+</p:sld>
+</file>
+
+<file path=ppt/slides/slide39.xml><?xml version="1.0" encoding="utf-8"?>
+<p:sld xmlns:a="http://schemas.openxmlformats.org/drawingml/2006/main" xmlns:r="http://schemas.openxmlformats.org/officeDocument/2006/relationships" xmlns:p="http://schemas.openxmlformats.org/presentationml/2006/main">
+  <p:cSld>
+    <p:spTree>
+      <p:nvGrpSpPr>
+        <p:cNvPr id="1" name=""/>
+        <p:cNvGrpSpPr/>
+        <p:nvPr/>
+      </p:nvGrpSpPr>
+      <p:grpSpPr>
+        <a:xfrm>
+          <a:off x="0" y="0"/>
+          <a:ext cx="0" cy="0"/>
+          <a:chOff x="0" y="0"/>
+          <a:chExt cx="0" cy="0"/>
+        </a:xfrm>
+      </p:grpSpPr>
+      <p:sp>
+        <p:nvSpPr>
+          <p:cNvPr id="8" name="Titre 1"/>
+          <p:cNvSpPr>
+            <a:spLocks noGrp="1"/>
+          </p:cNvSpPr>
+          <p:nvPr>
+            <p:ph type="title"/>
+          </p:nvPr>
+        </p:nvSpPr>
+        <p:spPr>
+          <a:xfrm>
+            <a:off x="2128720" y="222195"/>
+            <a:ext cx="6719020" cy="763525"/>
+          </a:xfrm>
+        </p:spPr>
+        <p:txBody>
+          <a:bodyPr>
+            <a:normAutofit/>
+          </a:bodyPr>
+          <a:lstStyle/>
+          <a:p>
+            <a:r>
+              <a:rPr lang="fr-BE" dirty="0" smtClean="0"/>
+              <a:t>Autres interactions</a:t>
+            </a:r>
+            <a:endParaRPr lang="fr-BE" dirty="0"/>
+          </a:p>
+        </p:txBody>
+      </p:sp>
+      <p:sp>
+        <p:nvSpPr>
+          <p:cNvPr id="4" name="Content Placeholder 5"/>
+          <p:cNvSpPr>
+            <a:spLocks noGrp="1"/>
+          </p:cNvSpPr>
+          <p:nvPr>
+            <p:ph sz="half" idx="4294967295"/>
+          </p:nvPr>
+        </p:nvSpPr>
+        <p:spPr>
+          <a:xfrm>
+            <a:off x="1976015" y="1443834"/>
+            <a:ext cx="7482544" cy="3512215"/>
+          </a:xfrm>
+          <a:prstGeom prst="rect">
+            <a:avLst/>
+          </a:prstGeom>
+        </p:spPr>
+        <p:txBody>
+          <a:bodyPr/>
+          <a:lstStyle/>
+          <a:p>
+            <a:r>
+              <a:rPr lang="fr-BE" dirty="0" smtClean="0">
+                <a:solidFill>
+                  <a:schemeClr val="bg1"/>
+                </a:solidFill>
+              </a:rPr>
+              <a:t>Gérer les événements clavier </a:t>
+            </a:r>
+          </a:p>
+          <a:p>
+            <a:r>
+              <a:rPr lang="fr-BE" dirty="0" smtClean="0">
+                <a:solidFill>
+                  <a:schemeClr val="bg1"/>
+                </a:solidFill>
+              </a:rPr>
+              <a:t>Pour souris et clavier :</a:t>
+            </a:r>
+          </a:p>
+          <a:p>
+            <a:pPr lvl="1"/>
+            <a:r>
+              <a:rPr lang="fr-BE" dirty="0" smtClean="0">
+                <a:solidFill>
+                  <a:schemeClr val="bg1"/>
+                </a:solidFill>
+              </a:rPr>
+              <a:t>Actions prédéfinies</a:t>
+            </a:r>
+          </a:p>
+          <a:p>
+            <a:pPr lvl="1"/>
+            <a:r>
+              <a:rPr lang="fr-BE" dirty="0" smtClean="0">
+                <a:solidFill>
+                  <a:schemeClr val="bg1"/>
+                </a:solidFill>
+              </a:rPr>
+              <a:t>Création de « Behavior »</a:t>
+            </a:r>
+          </a:p>
+          <a:p>
+            <a:r>
+              <a:rPr lang="fr-BE" dirty="0" smtClean="0">
+                <a:solidFill>
+                  <a:schemeClr val="bg1"/>
+                </a:solidFill>
+              </a:rPr>
+              <a:t>Interception d’objets avec la souris</a:t>
+            </a:r>
+          </a:p>
+          <a:p>
+            <a:r>
+              <a:rPr lang="fr-BE" dirty="0" smtClean="0">
+                <a:solidFill>
+                  <a:schemeClr val="bg1"/>
+                </a:solidFill>
+              </a:rPr>
+              <a:t>Gestion des collisions entre objets</a:t>
+            </a:r>
+          </a:p>
+        </p:txBody>
+      </p:sp>
+    </p:spTree>
+    <p:extLst>
+      <p:ext uri="{BB962C8B-B14F-4D97-AF65-F5344CB8AC3E}">
+        <p14:creationId xmlns:p14="http://schemas.microsoft.com/office/powerpoint/2010/main" val="3451092425"/>
+      </p:ext>
+    </p:extLst>
+  </p:cSld>
+  <p:clrMapOvr>
+    <a:masterClrMapping/>
+  </p:clrMapOvr>
+  <p:timing>
+    <p:tnLst>
+      <p:par>
+        <p:cTn id="1" dur="indefinite" restart="never" nodeType="tmRoot"/>
+      </p:par>
+    </p:tnLst>
+  </p:timing>
+</p:sld>
+</file>
+
+<file path=ppt/slides/slide4.xml><?xml version="1.0" encoding="utf-8"?>
+<p:sld xmlns:a="http://schemas.openxmlformats.org/drawingml/2006/main" xmlns:r="http://schemas.openxmlformats.org/officeDocument/2006/relationships" xmlns:p="http://schemas.openxmlformats.org/presentationml/2006/main">
+  <p:cSld>
+    <p:spTree>
+      <p:nvGrpSpPr>
+        <p:cNvPr id="1" name=""/>
+        <p:cNvGrpSpPr/>
+        <p:nvPr/>
+      </p:nvGrpSpPr>
+      <p:grpSpPr>
+        <a:xfrm>
+          <a:off x="0" y="0"/>
+          <a:ext cx="0" cy="0"/>
+          <a:chOff x="0" y="0"/>
+          <a:chExt cx="0" cy="0"/>
+        </a:xfrm>
+      </p:grpSpPr>
+      <p:sp>
+        <p:nvSpPr>
+          <p:cNvPr id="4" name="Title 3"/>
+          <p:cNvSpPr>
+            <a:spLocks noGrp="1"/>
+          </p:cNvSpPr>
+          <p:nvPr>
+            <p:ph type="title"/>
+          </p:nvPr>
+        </p:nvSpPr>
+        <p:spPr/>
+        <p:txBody>
+          <a:bodyPr/>
+          <a:lstStyle/>
+          <a:p>
+            <a:r>
+              <a:rPr lang="en-US" dirty="0" smtClean="0"/>
+              <a:t>Historique</a:t>
+            </a:r>
+            <a:endParaRPr lang="en-US" dirty="0"/>
+          </a:p>
+        </p:txBody>
+      </p:sp>
+      <p:sp>
+        <p:nvSpPr>
+          <p:cNvPr id="5" name="Content Placeholder 4"/>
+          <p:cNvSpPr>
+            <a:spLocks noGrp="1"/>
+          </p:cNvSpPr>
+          <p:nvPr>
+            <p:ph idx="1"/>
+          </p:nvPr>
+        </p:nvSpPr>
+        <p:spPr/>
+        <p:txBody>
+          <a:bodyPr>
+            <a:normAutofit/>
+          </a:bodyPr>
+          <a:lstStyle/>
+          <a:p>
+            <a:r>
+              <a:rPr lang="fr-BE" dirty="0" smtClean="0"/>
+              <a:t>1996 Lancement du projet par Intel, Sun, </a:t>
+            </a:r>
+            <a:r>
+              <a:rPr lang="fr-BE" dirty="0" err="1" smtClean="0"/>
+              <a:t>Silicon</a:t>
+            </a:r>
+            <a:r>
+              <a:rPr lang="fr-BE" dirty="0" smtClean="0"/>
+              <a:t> </a:t>
+            </a:r>
+            <a:r>
+              <a:rPr lang="fr-BE" dirty="0" err="1" smtClean="0"/>
+              <a:t>Graphics</a:t>
+            </a:r>
+            <a:r>
+              <a:rPr lang="fr-BE" dirty="0" smtClean="0"/>
+              <a:t> et Apple.</a:t>
+            </a:r>
+          </a:p>
+          <a:p>
+            <a:r>
+              <a:rPr lang="fr-BE" dirty="0" smtClean="0"/>
+              <a:t>1998 :  première version.</a:t>
+            </a:r>
+            <a:endParaRPr lang="fr-BE" dirty="0"/>
+          </a:p>
+          <a:p>
+            <a:r>
+              <a:rPr lang="en-US" dirty="0" smtClean="0"/>
+              <a:t>2003-2004 : Arrêt du projet.</a:t>
+            </a:r>
+          </a:p>
+          <a:p>
+            <a:r>
+              <a:rPr lang="en-US" dirty="0" smtClean="0"/>
+              <a:t>2004  : le projet est </a:t>
+            </a:r>
+            <a:r>
+              <a:rPr lang="en-US" dirty="0"/>
+              <a:t>devenu Open Source. </a:t>
+            </a:r>
+            <a:endParaRPr lang="fr-BE" dirty="0"/>
+          </a:p>
+          <a:p>
+            <a:r>
+              <a:rPr lang="en-US" dirty="0"/>
+              <a:t>Current version 1.5.2 </a:t>
+            </a:r>
+            <a:r>
+              <a:rPr lang="en-US" dirty="0" smtClean="0"/>
+              <a:t>3.</a:t>
+            </a:r>
+            <a:endParaRPr lang="fr-BE" dirty="0"/>
+          </a:p>
+        </p:txBody>
+      </p:sp>
+      <p:pic>
+        <p:nvPicPr>
+          <p:cNvPr id="6" name="Picture 2" descr="E:\cloud\drive\websites\ppttemplate\ppt\logo-ppttemplate.png">
+            <a:hlinkClick r:id="rId2"/>
+          </p:cNvPr>
+          <p:cNvPicPr>
+            <a:picLocks noChangeAspect="1" noChangeArrowheads="1"/>
+          </p:cNvPicPr>
+          <p:nvPr/>
+        </p:nvPicPr>
+        <p:blipFill>
+          <a:blip r:embed="rId3" cstate="print">
+            <a:extLst>
+              <a:ext uri="{28A0092B-C50C-407E-A947-70E740481C1C}">
+                <a14:useLocalDpi xmlns:a14="http://schemas.microsoft.com/office/drawing/2010/main" val="0"/>
+              </a:ext>
+            </a:extLst>
+          </a:blip>
+          <a:srcRect/>
+          <a:stretch>
+            <a:fillRect/>
+          </a:stretch>
+        </p:blipFill>
+        <p:spPr bwMode="auto">
+          <a:xfrm>
+            <a:off x="7878674" y="6531587"/>
+            <a:ext cx="1161288" cy="250278"/>
+          </a:xfrm>
+          <a:prstGeom prst="rect">
+            <a:avLst/>
+          </a:prstGeom>
+          <a:noFill/>
+          <a:extLst>
+            <a:ext uri="{909E8E84-426E-40DD-AFC4-6F175D3DCCD1}">
+              <a14:hiddenFill xmlns:a14="http://schemas.microsoft.com/office/drawing/2010/main">
+                <a:solidFill>
+                  <a:srgbClr val="FFFFFF"/>
+                </a:solidFill>
+              </a14:hiddenFill>
+            </a:ext>
+          </a:extLst>
+        </p:spPr>
+      </p:pic>
+    </p:spTree>
+    <p:extLst>
+      <p:ext uri="{BB962C8B-B14F-4D97-AF65-F5344CB8AC3E}">
+        <p14:creationId xmlns:p14="http://schemas.microsoft.com/office/powerpoint/2010/main" val="114916891"/>
+      </p:ext>
+    </p:extLst>
+  </p:cSld>
+  <p:clrMapOvr>
+    <a:masterClrMapping/>
+  </p:clrMapOvr>
+  <p:timing>
+    <p:tnLst>
+      <p:par>
+        <p:cTn id="1" dur="indefinite" restart="never" nodeType="tmRoot"/>
+      </p:par>
+    </p:tnLst>
+  </p:timing>
+</p:sld>
+</file>
+
+<file path=ppt/slides/slide40.xml><?xml version="1.0" encoding="utf-8"?>
+<p:sld xmlns:a="http://schemas.openxmlformats.org/drawingml/2006/main" xmlns:r="http://schemas.openxmlformats.org/officeDocument/2006/relationships" xmlns:p="http://schemas.openxmlformats.org/presentationml/2006/main">
+  <p:cSld>
+    <p:spTree>
+      <p:nvGrpSpPr>
+        <p:cNvPr id="1" name=""/>
+        <p:cNvGrpSpPr/>
+        <p:nvPr/>
+      </p:nvGrpSpPr>
+      <p:grpSpPr>
+        <a:xfrm>
+          <a:off x="0" y="0"/>
+          <a:ext cx="0" cy="0"/>
+          <a:chOff x="0" y="0"/>
+          <a:chExt cx="0" cy="0"/>
+        </a:xfrm>
+      </p:grpSpPr>
+      <p:sp>
+        <p:nvSpPr>
           <p:cNvPr id="2" name="Title 1"/>
           <p:cNvSpPr>
             <a:spLocks noGrp="1"/>
@@ -17662,7 +18815,7 @@
 </p:sld>
 </file>
 
-<file path=ppt/slides/slide37.xml><?xml version="1.0" encoding="utf-8"?>
+<file path=ppt/slides/slide41.xml><?xml version="1.0" encoding="utf-8"?>
 <p:sld xmlns:a="http://schemas.openxmlformats.org/drawingml/2006/main" xmlns:r="http://schemas.openxmlformats.org/officeDocument/2006/relationships" xmlns:p="http://schemas.openxmlformats.org/presentationml/2006/main">
   <p:cSld>
     <p:spTree>
@@ -17743,7 +18896,7 @@
 </p:sld>
 </file>
 
-<file path=ppt/slides/slide38.xml><?xml version="1.0" encoding="utf-8"?>
+<file path=ppt/slides/slide42.xml><?xml version="1.0" encoding="utf-8"?>
 <p:sld xmlns:a="http://schemas.openxmlformats.org/drawingml/2006/main" xmlns:r="http://schemas.openxmlformats.org/officeDocument/2006/relationships" xmlns:p="http://schemas.openxmlformats.org/presentationml/2006/main">
   <p:cSld>
     <p:spTree>
@@ -17873,7 +19026,7 @@
 </p:sld>
 </file>
 
-<file path=ppt/slides/slide39.xml><?xml version="1.0" encoding="utf-8"?>
+<file path=ppt/slides/slide43.xml><?xml version="1.0" encoding="utf-8"?>
 <p:sld xmlns:a="http://schemas.openxmlformats.org/drawingml/2006/main" xmlns:r="http://schemas.openxmlformats.org/officeDocument/2006/relationships" xmlns:p="http://schemas.openxmlformats.org/presentationml/2006/main">
   <p:cSld>
     <p:bg>
@@ -19121,184 +20274,6 @@
     <p:extLst>
       <p:ext uri="{BB962C8B-B14F-4D97-AF65-F5344CB8AC3E}">
         <p14:creationId xmlns:p14="http://schemas.microsoft.com/office/powerpoint/2010/main" val="4292739298"/>
-      </p:ext>
-    </p:extLst>
-  </p:cSld>
-  <p:clrMapOvr>
-    <a:masterClrMapping/>
-  </p:clrMapOvr>
-  <p:timing>
-    <p:tnLst>
-      <p:par>
-        <p:cTn id="1" dur="indefinite" restart="never" nodeType="tmRoot"/>
-      </p:par>
-    </p:tnLst>
-  </p:timing>
-</p:sld>
-</file>
-
-<file path=ppt/slides/slide4.xml><?xml version="1.0" encoding="utf-8"?>
-<p:sld xmlns:a="http://schemas.openxmlformats.org/drawingml/2006/main" xmlns:r="http://schemas.openxmlformats.org/officeDocument/2006/relationships" xmlns:p="http://schemas.openxmlformats.org/presentationml/2006/main">
-  <p:cSld>
-    <p:spTree>
-      <p:nvGrpSpPr>
-        <p:cNvPr id="1" name=""/>
-        <p:cNvGrpSpPr/>
-        <p:nvPr/>
-      </p:nvGrpSpPr>
-      <p:grpSpPr>
-        <a:xfrm>
-          <a:off x="0" y="0"/>
-          <a:ext cx="0" cy="0"/>
-          <a:chOff x="0" y="0"/>
-          <a:chExt cx="0" cy="0"/>
-        </a:xfrm>
-      </p:grpSpPr>
-      <p:sp>
-        <p:nvSpPr>
-          <p:cNvPr id="4" name="Title 3"/>
-          <p:cNvSpPr>
-            <a:spLocks noGrp="1"/>
-          </p:cNvSpPr>
-          <p:nvPr>
-            <p:ph type="title"/>
-          </p:nvPr>
-        </p:nvSpPr>
-        <p:spPr/>
-        <p:txBody>
-          <a:bodyPr/>
-          <a:lstStyle/>
-          <a:p>
-            <a:r>
-              <a:rPr lang="en-US" dirty="0" smtClean="0"/>
-              <a:t>Historique</a:t>
-            </a:r>
-            <a:endParaRPr lang="en-US" dirty="0"/>
-          </a:p>
-        </p:txBody>
-      </p:sp>
-      <p:sp>
-        <p:nvSpPr>
-          <p:cNvPr id="5" name="Content Placeholder 4"/>
-          <p:cNvSpPr>
-            <a:spLocks noGrp="1"/>
-          </p:cNvSpPr>
-          <p:nvPr>
-            <p:ph idx="1"/>
-          </p:nvPr>
-        </p:nvSpPr>
-        <p:spPr/>
-        <p:txBody>
-          <a:bodyPr>
-            <a:normAutofit/>
-          </a:bodyPr>
-          <a:lstStyle/>
-          <a:p>
-            <a:r>
-              <a:rPr lang="fr-BE" dirty="0" smtClean="0"/>
-              <a:t>1996 Lancement du projet par Intel, Sun, </a:t>
-            </a:r>
-            <a:r>
-              <a:rPr lang="fr-BE" dirty="0" err="1" smtClean="0"/>
-              <a:t>Silicon</a:t>
-            </a:r>
-            <a:r>
-              <a:rPr lang="fr-BE" dirty="0" smtClean="0"/>
-              <a:t> </a:t>
-            </a:r>
-            <a:r>
-              <a:rPr lang="fr-BE" dirty="0" err="1" smtClean="0"/>
-              <a:t>Graphics</a:t>
-            </a:r>
-            <a:r>
-              <a:rPr lang="fr-BE" dirty="0" smtClean="0"/>
-              <a:t> et Apple.</a:t>
-            </a:r>
-          </a:p>
-          <a:p>
-            <a:r>
-              <a:rPr lang="fr-BE" dirty="0" smtClean="0"/>
-              <a:t>1998 :  première version.</a:t>
-            </a:r>
-            <a:endParaRPr lang="fr-BE" dirty="0"/>
-          </a:p>
-          <a:p>
-            <a:r>
-              <a:rPr lang="en-US" dirty="0" smtClean="0"/>
-              <a:t>2003-2004 : Arrêt du projet.</a:t>
-            </a:r>
-          </a:p>
-          <a:p>
-            <a:r>
-              <a:rPr lang="en-US" dirty="0" smtClean="0"/>
-              <a:t>2004  : le projet est </a:t>
-            </a:r>
-            <a:r>
-              <a:rPr lang="en-US" dirty="0"/>
-              <a:t>devenu Open Source. </a:t>
-            </a:r>
-            <a:endParaRPr lang="fr-BE" dirty="0"/>
-          </a:p>
-          <a:p>
-            <a:r>
-              <a:rPr lang="en-US" dirty="0"/>
-              <a:t>Current version 1.5.2 </a:t>
-            </a:r>
-            <a:r>
-              <a:rPr lang="en-US" dirty="0" smtClean="0"/>
-              <a:t>3.</a:t>
-            </a:r>
-            <a:endParaRPr lang="fr-BE" dirty="0"/>
-          </a:p>
-        </p:txBody>
-      </p:sp>
-      <p:pic>
-        <p:nvPicPr>
-          <p:cNvPr id="6" name="Picture 2" descr="E:\cloud\drive\websites\ppttemplate\ppt\logo-ppttemplate.png">
-            <a:hlinkClick r:id="rId2"/>
-          </p:cNvPr>
-          <p:cNvPicPr>
-            <a:picLocks noChangeAspect="1" noChangeArrowheads="1"/>
-          </p:cNvPicPr>
-          <p:nvPr/>
-        </p:nvPicPr>
-        <p:blipFill>
-          <a:blip r:embed="rId3" cstate="print">
-            <a:extLst>
-              <a:ext uri="{28A0092B-C50C-407E-A947-70E740481C1C}">
-                <a14:useLocalDpi xmlns:a14="http://schemas.microsoft.com/office/drawing/2010/main" val="0"/>
-              </a:ext>
-            </a:extLst>
-          </a:blip>
-          <a:srcRect/>
-          <a:stretch>
-            <a:fillRect/>
-          </a:stretch>
-        </p:blipFill>
-        <p:spPr bwMode="auto">
-          <a:xfrm>
-            <a:off x="7878674" y="6531587"/>
-            <a:ext cx="1161288" cy="250278"/>
-          </a:xfrm>
-          <a:prstGeom prst="rect">
-            <a:avLst/>
-          </a:prstGeom>
-          <a:noFill/>
-          <a:extLst>
-            <a:ext uri="{909E8E84-426E-40DD-AFC4-6F175D3DCCD1}">
-              <a14:hiddenFill xmlns:a14="http://schemas.microsoft.com/office/drawing/2010/main">
-                <a:solidFill>
-                  <a:srgbClr val="FFFFFF"/>
-                </a:solidFill>
-              </a14:hiddenFill>
-            </a:ext>
-          </a:extLst>
-        </p:spPr>
-      </p:pic>
-    </p:spTree>
-    <p:extLst>
-      <p:ext uri="{BB962C8B-B14F-4D97-AF65-F5344CB8AC3E}">
-        <p14:creationId xmlns:p14="http://schemas.microsoft.com/office/powerpoint/2010/main" val="114916891"/>
       </p:ext>
     </p:extLst>
   </p:cSld>
